--- a/클라우드 네이티브 (Cloud Native)_정석환.pptx
+++ b/클라우드 네이티브 (Cloud Native)_정석환.pptx
@@ -12,8 +12,7 @@
     <p:sldId id="263" r:id="rId6"/>
     <p:sldId id="262" r:id="rId7"/>
     <p:sldId id="264" r:id="rId8"/>
-    <p:sldId id="260" r:id="rId9"/>
-    <p:sldId id="261" r:id="rId10"/>
+    <p:sldId id="265" r:id="rId9"/>
   </p:sldIdLst>
   <p:sldSz cx="12192000" cy="6858000"/>
   <p:notesSz cx="6858000" cy="9144000"/>
@@ -5615,75 +5614,316 @@
             </a:pPr>
             <a:r>
               <a:rPr lang="en-US" altLang="ko-KR" dirty="0"/>
-              <a:t>1. MSA</a:t>
-            </a:r>
+              <a:t>4. </a:t>
+            </a:r>
+            <a:r>
+              <a:rPr lang="ko-KR" altLang="en-US" dirty="0"/>
+              <a:t>클라우드 네이티브 운영</a:t>
+            </a:r>
+            <a:endParaRPr lang="en-US" altLang="ko-KR" dirty="0"/>
+          </a:p>
+          <a:p>
+            <a:pPr marL="0" indent="0">
+              <a:buNone/>
+            </a:pPr>
+            <a:r>
+              <a:rPr lang="en-US" altLang="ko-KR" dirty="0"/>
+              <a:t>   </a:t>
+            </a:r>
+            <a:r>
+              <a:rPr lang="en-US" altLang="ko-KR" sz="1400" dirty="0"/>
+              <a:t>4-3. Auto Scale Out</a:t>
+            </a:r>
+          </a:p>
+          <a:p>
+            <a:pPr marL="0" indent="0">
+              <a:buNone/>
+            </a:pPr>
+            <a:r>
+              <a:rPr lang="en-US" altLang="ko-KR" sz="1400" dirty="0"/>
+              <a:t>       </a:t>
+            </a:r>
+          </a:p>
+          <a:p>
+            <a:pPr marL="0" indent="0">
+              <a:buNone/>
+            </a:pPr>
+            <a:endParaRPr lang="en-US" altLang="ko-KR" sz="1400" dirty="0"/>
+          </a:p>
+        </p:txBody>
+      </p:sp>
+      <p:sp>
+        <p:nvSpPr>
+          <p:cNvPr id="9" name="직사각형 8">
+            <a:extLst>
+              <a:ext uri="{FF2B5EF4-FFF2-40B4-BE49-F238E27FC236}">
+                <a16:creationId xmlns:a16="http://schemas.microsoft.com/office/drawing/2014/main" id="{406EA64D-F310-4144-A93D-00CF003522CC}"/>
+              </a:ext>
+            </a:extLst>
+          </p:cNvPr>
+          <p:cNvSpPr/>
+          <p:nvPr/>
+        </p:nvSpPr>
+        <p:spPr>
+          <a:xfrm>
+            <a:off x="1368117" y="1339296"/>
+            <a:ext cx="2400319" cy="166231"/>
+          </a:xfrm>
+          <a:prstGeom prst="rect">
+            <a:avLst/>
+          </a:prstGeom>
+        </p:spPr>
+        <p:style>
+          <a:lnRef idx="2">
+            <a:schemeClr val="accent1">
+              <a:shade val="50000"/>
+            </a:schemeClr>
+          </a:lnRef>
+          <a:fillRef idx="1">
+            <a:schemeClr val="accent1"/>
+          </a:fillRef>
+          <a:effectRef idx="0">
+            <a:schemeClr val="accent1"/>
+          </a:effectRef>
+          <a:fontRef idx="minor">
+            <a:schemeClr val="lt1"/>
+          </a:fontRef>
+        </p:style>
+        <p:txBody>
+          <a:bodyPr rtlCol="0" anchor="ctr"/>
+          <a:lstStyle/>
+          <a:p>
+            <a:r>
+              <a:rPr lang="ko-KR" altLang="en-US" sz="1200" dirty="0"/>
+              <a:t>가</a:t>
+            </a:r>
+            <a:r>
+              <a:rPr lang="en-US" altLang="ko-KR" sz="1200" dirty="0"/>
+              <a:t>. Auto Scaler </a:t>
+            </a:r>
+            <a:r>
+              <a:rPr lang="ko-KR" altLang="en-US" sz="1200" dirty="0"/>
+              <a:t>설정 및 확인</a:t>
+            </a:r>
+          </a:p>
+        </p:txBody>
+      </p:sp>
+      <p:pic>
+        <p:nvPicPr>
+          <p:cNvPr id="6" name="그림 5">
+            <a:extLst>
+              <a:ext uri="{FF2B5EF4-FFF2-40B4-BE49-F238E27FC236}">
+                <a16:creationId xmlns:a16="http://schemas.microsoft.com/office/drawing/2014/main" id="{2BAC009C-1C96-4B52-86FF-7A0A96AC1DC7}"/>
+              </a:ext>
+            </a:extLst>
+          </p:cNvPr>
+          <p:cNvPicPr>
+            <a:picLocks noChangeAspect="1"/>
+          </p:cNvPicPr>
+          <p:nvPr/>
+        </p:nvPicPr>
+        <p:blipFill>
+          <a:blip r:embed="rId2"/>
+          <a:stretch>
+            <a:fillRect/>
+          </a:stretch>
+        </p:blipFill>
+        <p:spPr>
+          <a:xfrm>
+            <a:off x="1368117" y="1505527"/>
+            <a:ext cx="4993978" cy="2001071"/>
+          </a:xfrm>
+          <a:prstGeom prst="rect">
+            <a:avLst/>
+          </a:prstGeom>
+        </p:spPr>
+      </p:pic>
+      <p:pic>
+        <p:nvPicPr>
+          <p:cNvPr id="10" name="그림 9">
+            <a:extLst>
+              <a:ext uri="{FF2B5EF4-FFF2-40B4-BE49-F238E27FC236}">
+                <a16:creationId xmlns:a16="http://schemas.microsoft.com/office/drawing/2014/main" id="{23E0CA1B-47DF-4D6F-93B0-CB4F42660854}"/>
+              </a:ext>
+            </a:extLst>
+          </p:cNvPr>
+          <p:cNvPicPr>
+            <a:picLocks noChangeAspect="1"/>
+          </p:cNvPicPr>
+          <p:nvPr/>
+        </p:nvPicPr>
+        <p:blipFill>
+          <a:blip r:embed="rId3"/>
+          <a:stretch>
+            <a:fillRect/>
+          </a:stretch>
+        </p:blipFill>
+        <p:spPr>
+          <a:xfrm>
+            <a:off x="6523664" y="1505527"/>
+            <a:ext cx="3257900" cy="2778114"/>
+          </a:xfrm>
+          <a:prstGeom prst="rect">
+            <a:avLst/>
+          </a:prstGeom>
+        </p:spPr>
+      </p:pic>
+      <p:sp>
+        <p:nvSpPr>
+          <p:cNvPr id="12" name="직사각형 11">
+            <a:extLst>
+              <a:ext uri="{FF2B5EF4-FFF2-40B4-BE49-F238E27FC236}">
+                <a16:creationId xmlns:a16="http://schemas.microsoft.com/office/drawing/2014/main" id="{2E06F958-17EB-4702-9933-D94FB9AB7693}"/>
+              </a:ext>
+            </a:extLst>
+          </p:cNvPr>
+          <p:cNvSpPr/>
+          <p:nvPr/>
+        </p:nvSpPr>
+        <p:spPr>
+          <a:xfrm>
+            <a:off x="6523663" y="1339296"/>
+            <a:ext cx="2400319" cy="166231"/>
+          </a:xfrm>
+          <a:prstGeom prst="rect">
+            <a:avLst/>
+          </a:prstGeom>
+        </p:spPr>
+        <p:style>
+          <a:lnRef idx="2">
+            <a:schemeClr val="accent1">
+              <a:shade val="50000"/>
+            </a:schemeClr>
+          </a:lnRef>
+          <a:fillRef idx="1">
+            <a:schemeClr val="accent1"/>
+          </a:fillRef>
+          <a:effectRef idx="0">
+            <a:schemeClr val="accent1"/>
+          </a:effectRef>
+          <a:fontRef idx="minor">
+            <a:schemeClr val="lt1"/>
+          </a:fontRef>
+        </p:style>
+        <p:txBody>
+          <a:bodyPr rtlCol="0" anchor="ctr"/>
+          <a:lstStyle/>
+          <a:p>
+            <a:r>
+              <a:rPr lang="ko-KR" altLang="en-US" sz="1200" dirty="0"/>
+              <a:t>나</a:t>
+            </a:r>
+            <a:r>
+              <a:rPr lang="en-US" altLang="ko-KR" sz="1200" dirty="0"/>
+              <a:t>. Siege </a:t>
+            </a:r>
+            <a:r>
+              <a:rPr lang="ko-KR" altLang="en-US" sz="1200" dirty="0"/>
+              <a:t>로 부하 발생</a:t>
+            </a:r>
+            <a:r>
+              <a:rPr lang="en-US" altLang="ko-KR" sz="1200" dirty="0"/>
+              <a:t> </a:t>
+            </a:r>
+            <a:endParaRPr lang="ko-KR" altLang="en-US" sz="1200" dirty="0"/>
+          </a:p>
+        </p:txBody>
+      </p:sp>
+      <p:pic>
+        <p:nvPicPr>
+          <p:cNvPr id="14" name="그림 13">
+            <a:extLst>
+              <a:ext uri="{FF2B5EF4-FFF2-40B4-BE49-F238E27FC236}">
+                <a16:creationId xmlns:a16="http://schemas.microsoft.com/office/drawing/2014/main" id="{B3A2B910-141E-4AAC-86B2-4AEB30689771}"/>
+              </a:ext>
+            </a:extLst>
+          </p:cNvPr>
+          <p:cNvPicPr>
+            <a:picLocks noChangeAspect="1"/>
+          </p:cNvPicPr>
+          <p:nvPr/>
+        </p:nvPicPr>
+        <p:blipFill>
+          <a:blip r:embed="rId4"/>
+          <a:stretch>
+            <a:fillRect/>
+          </a:stretch>
+        </p:blipFill>
+        <p:spPr>
+          <a:xfrm>
+            <a:off x="1368117" y="4087200"/>
+            <a:ext cx="1942434" cy="2682851"/>
+          </a:xfrm>
+          <a:prstGeom prst="rect">
+            <a:avLst/>
+          </a:prstGeom>
+        </p:spPr>
+      </p:pic>
+      <p:sp>
+        <p:nvSpPr>
+          <p:cNvPr id="15" name="직사각형 14">
+            <a:extLst>
+              <a:ext uri="{FF2B5EF4-FFF2-40B4-BE49-F238E27FC236}">
+                <a16:creationId xmlns:a16="http://schemas.microsoft.com/office/drawing/2014/main" id="{741FCF40-3C28-4961-945A-1786861B91FE}"/>
+              </a:ext>
+            </a:extLst>
+          </p:cNvPr>
+          <p:cNvSpPr/>
+          <p:nvPr/>
+        </p:nvSpPr>
+        <p:spPr>
+          <a:xfrm>
+            <a:off x="1368117" y="3899700"/>
+            <a:ext cx="2400319" cy="166231"/>
+          </a:xfrm>
+          <a:prstGeom prst="rect">
+            <a:avLst/>
+          </a:prstGeom>
+        </p:spPr>
+        <p:style>
+          <a:lnRef idx="2">
+            <a:schemeClr val="accent1">
+              <a:shade val="50000"/>
+            </a:schemeClr>
+          </a:lnRef>
+          <a:fillRef idx="1">
+            <a:schemeClr val="accent1"/>
+          </a:fillRef>
+          <a:effectRef idx="0">
+            <a:schemeClr val="accent1"/>
+          </a:effectRef>
+          <a:fontRef idx="minor">
+            <a:schemeClr val="lt1"/>
+          </a:fontRef>
+        </p:style>
+        <p:txBody>
+          <a:bodyPr rtlCol="0" anchor="ctr"/>
+          <a:lstStyle/>
+          <a:p>
+            <a:r>
+              <a:rPr lang="ko-KR" altLang="en-US" sz="1200" dirty="0"/>
+              <a:t>다</a:t>
+            </a:r>
+            <a:r>
+              <a:rPr lang="en-US" altLang="ko-KR" sz="1200" dirty="0"/>
+              <a:t>. Siege </a:t>
+            </a:r>
+            <a:r>
+              <a:rPr lang="ko-KR" altLang="en-US" sz="1200" dirty="0"/>
+              <a:t>로 부하 발생</a:t>
+            </a:r>
+            <a:r>
+              <a:rPr lang="en-US" altLang="ko-KR" sz="1200" dirty="0"/>
+              <a:t> </a:t>
+            </a:r>
+            <a:endParaRPr lang="ko-KR" altLang="en-US" sz="1200" dirty="0"/>
           </a:p>
         </p:txBody>
       </p:sp>
     </p:spTree>
     <p:extLst>
       <p:ext uri="{BB962C8B-B14F-4D97-AF65-F5344CB8AC3E}">
-        <p14:creationId xmlns:p14="http://schemas.microsoft.com/office/powerpoint/2010/main" val="1480212380"/>
-      </p:ext>
-    </p:extLst>
-  </p:cSld>
-  <p:clrMapOvr>
-    <a:masterClrMapping/>
-  </p:clrMapOvr>
-</p:sld>
-</file>
-
-<file path=ppt/slides/slide9.xml><?xml version="1.0" encoding="utf-8"?>
-<p:sld xmlns:a="http://schemas.openxmlformats.org/drawingml/2006/main" xmlns:r="http://schemas.openxmlformats.org/officeDocument/2006/relationships" xmlns:p="http://schemas.openxmlformats.org/presentationml/2006/main">
-  <p:cSld>
-    <p:spTree>
-      <p:nvGrpSpPr>
-        <p:cNvPr id="1" name=""/>
-        <p:cNvGrpSpPr/>
-        <p:nvPr/>
-      </p:nvGrpSpPr>
-      <p:grpSpPr>
-        <a:xfrm>
-          <a:off x="0" y="0"/>
-          <a:ext cx="0" cy="0"/>
-          <a:chOff x="0" y="0"/>
-          <a:chExt cx="0" cy="0"/>
-        </a:xfrm>
-      </p:grpSpPr>
-      <p:sp>
-        <p:nvSpPr>
-          <p:cNvPr id="3" name="내용 개체 틀 2"/>
-          <p:cNvSpPr>
-            <a:spLocks noGrp="1"/>
-          </p:cNvSpPr>
-          <p:nvPr>
-            <p:ph idx="1"/>
-          </p:nvPr>
-        </p:nvSpPr>
-        <p:spPr>
-          <a:xfrm>
-            <a:off x="838200" y="341745"/>
-            <a:ext cx="10515600" cy="5835218"/>
-          </a:xfrm>
-        </p:spPr>
-        <p:txBody>
-          <a:bodyPr/>
-          <a:lstStyle/>
-          <a:p>
-            <a:pPr marL="0" indent="0">
-              <a:buNone/>
-            </a:pPr>
-            <a:r>
-              <a:rPr lang="en-US" altLang="ko-KR" dirty="0"/>
-              <a:t>1. MSA</a:t>
-            </a:r>
-          </a:p>
-        </p:txBody>
-      </p:sp>
-    </p:spTree>
-    <p:extLst>
-      <p:ext uri="{BB962C8B-B14F-4D97-AF65-F5344CB8AC3E}">
-        <p14:creationId xmlns:p14="http://schemas.microsoft.com/office/powerpoint/2010/main" val="3485988511"/>
+        <p14:creationId xmlns:p14="http://schemas.microsoft.com/office/powerpoint/2010/main" val="472691078"/>
       </p:ext>
     </p:extLst>
   </p:cSld>

--- a/클라우드 네이티브 (Cloud Native)_정석환.pptx
+++ b/클라우드 네이티브 (Cloud Native)_정석환.pptx
@@ -13,6 +13,7 @@
     <p:sldId id="262" r:id="rId7"/>
     <p:sldId id="264" r:id="rId8"/>
     <p:sldId id="265" r:id="rId9"/>
+    <p:sldId id="266" r:id="rId10"/>
   </p:sldIdLst>
   <p:sldSz cx="12192000" cy="6858000"/>
   <p:notesSz cx="6858000" cy="9144000"/>
@@ -248,7 +249,7 @@
           <a:p>
             <a:fld id="{5A8436AE-C8A5-4AE7-827F-7DD556C93A0C}" type="datetimeFigureOut">
               <a:rPr lang="ko-KR" altLang="en-US" smtClean="0"/>
-              <a:t>2024-11-21</a:t>
+              <a:t>2024-11-22</a:t>
             </a:fld>
             <a:endParaRPr lang="ko-KR" altLang="en-US"/>
           </a:p>
@@ -416,7 +417,7 @@
           <a:p>
             <a:fld id="{5A8436AE-C8A5-4AE7-827F-7DD556C93A0C}" type="datetimeFigureOut">
               <a:rPr lang="ko-KR" altLang="en-US" smtClean="0"/>
-              <a:t>2024-11-21</a:t>
+              <a:t>2024-11-22</a:t>
             </a:fld>
             <a:endParaRPr lang="ko-KR" altLang="en-US"/>
           </a:p>
@@ -594,7 +595,7 @@
           <a:p>
             <a:fld id="{5A8436AE-C8A5-4AE7-827F-7DD556C93A0C}" type="datetimeFigureOut">
               <a:rPr lang="ko-KR" altLang="en-US" smtClean="0"/>
-              <a:t>2024-11-21</a:t>
+              <a:t>2024-11-22</a:t>
             </a:fld>
             <a:endParaRPr lang="ko-KR" altLang="en-US"/>
           </a:p>
@@ -762,7 +763,7 @@
           <a:p>
             <a:fld id="{5A8436AE-C8A5-4AE7-827F-7DD556C93A0C}" type="datetimeFigureOut">
               <a:rPr lang="ko-KR" altLang="en-US" smtClean="0"/>
-              <a:t>2024-11-21</a:t>
+              <a:t>2024-11-22</a:t>
             </a:fld>
             <a:endParaRPr lang="ko-KR" altLang="en-US"/>
           </a:p>
@@ -1007,7 +1008,7 @@
           <a:p>
             <a:fld id="{5A8436AE-C8A5-4AE7-827F-7DD556C93A0C}" type="datetimeFigureOut">
               <a:rPr lang="ko-KR" altLang="en-US" smtClean="0"/>
-              <a:t>2024-11-21</a:t>
+              <a:t>2024-11-22</a:t>
             </a:fld>
             <a:endParaRPr lang="ko-KR" altLang="en-US"/>
           </a:p>
@@ -1236,7 +1237,7 @@
           <a:p>
             <a:fld id="{5A8436AE-C8A5-4AE7-827F-7DD556C93A0C}" type="datetimeFigureOut">
               <a:rPr lang="ko-KR" altLang="en-US" smtClean="0"/>
-              <a:t>2024-11-21</a:t>
+              <a:t>2024-11-22</a:t>
             </a:fld>
             <a:endParaRPr lang="ko-KR" altLang="en-US"/>
           </a:p>
@@ -1600,7 +1601,7 @@
           <a:p>
             <a:fld id="{5A8436AE-C8A5-4AE7-827F-7DD556C93A0C}" type="datetimeFigureOut">
               <a:rPr lang="ko-KR" altLang="en-US" smtClean="0"/>
-              <a:t>2024-11-21</a:t>
+              <a:t>2024-11-22</a:t>
             </a:fld>
             <a:endParaRPr lang="ko-KR" altLang="en-US"/>
           </a:p>
@@ -1717,7 +1718,7 @@
           <a:p>
             <a:fld id="{5A8436AE-C8A5-4AE7-827F-7DD556C93A0C}" type="datetimeFigureOut">
               <a:rPr lang="ko-KR" altLang="en-US" smtClean="0"/>
-              <a:t>2024-11-21</a:t>
+              <a:t>2024-11-22</a:t>
             </a:fld>
             <a:endParaRPr lang="ko-KR" altLang="en-US"/>
           </a:p>
@@ -1812,7 +1813,7 @@
           <a:p>
             <a:fld id="{5A8436AE-C8A5-4AE7-827F-7DD556C93A0C}" type="datetimeFigureOut">
               <a:rPr lang="ko-KR" altLang="en-US" smtClean="0"/>
-              <a:t>2024-11-21</a:t>
+              <a:t>2024-11-22</a:t>
             </a:fld>
             <a:endParaRPr lang="ko-KR" altLang="en-US"/>
           </a:p>
@@ -2087,7 +2088,7 @@
           <a:p>
             <a:fld id="{5A8436AE-C8A5-4AE7-827F-7DD556C93A0C}" type="datetimeFigureOut">
               <a:rPr lang="ko-KR" altLang="en-US" smtClean="0"/>
-              <a:t>2024-11-21</a:t>
+              <a:t>2024-11-22</a:t>
             </a:fld>
             <a:endParaRPr lang="ko-KR" altLang="en-US"/>
           </a:p>
@@ -2339,7 +2340,7 @@
           <a:p>
             <a:fld id="{5A8436AE-C8A5-4AE7-827F-7DD556C93A0C}" type="datetimeFigureOut">
               <a:rPr lang="ko-KR" altLang="en-US" smtClean="0"/>
-              <a:t>2024-11-21</a:t>
+              <a:t>2024-11-22</a:t>
             </a:fld>
             <a:endParaRPr lang="ko-KR" altLang="en-US"/>
           </a:p>
@@ -2550,7 +2551,7 @@
           <a:p>
             <a:fld id="{5A8436AE-C8A5-4AE7-827F-7DD556C93A0C}" type="datetimeFigureOut">
               <a:rPr lang="ko-KR" altLang="en-US" smtClean="0"/>
-              <a:t>2024-11-21</a:t>
+              <a:t>2024-11-22</a:t>
             </a:fld>
             <a:endParaRPr lang="ko-KR" altLang="en-US"/>
           </a:p>
@@ -5829,12 +5830,81 @@
           </a:p>
         </p:txBody>
       </p:sp>
+      <p:sp>
+        <p:nvSpPr>
+          <p:cNvPr id="15" name="직사각형 14">
+            <a:extLst>
+              <a:ext uri="{FF2B5EF4-FFF2-40B4-BE49-F238E27FC236}">
+                <a16:creationId xmlns:a16="http://schemas.microsoft.com/office/drawing/2014/main" id="{741FCF40-3C28-4961-945A-1786861B91FE}"/>
+              </a:ext>
+            </a:extLst>
+          </p:cNvPr>
+          <p:cNvSpPr/>
+          <p:nvPr/>
+        </p:nvSpPr>
+        <p:spPr>
+          <a:xfrm>
+            <a:off x="1368117" y="3703149"/>
+            <a:ext cx="2400319" cy="166231"/>
+          </a:xfrm>
+          <a:prstGeom prst="rect">
+            <a:avLst/>
+          </a:prstGeom>
+        </p:spPr>
+        <p:style>
+          <a:lnRef idx="2">
+            <a:schemeClr val="accent1">
+              <a:shade val="50000"/>
+            </a:schemeClr>
+          </a:lnRef>
+          <a:fillRef idx="1">
+            <a:schemeClr val="accent1"/>
+          </a:fillRef>
+          <a:effectRef idx="0">
+            <a:schemeClr val="accent1"/>
+          </a:effectRef>
+          <a:fontRef idx="minor">
+            <a:schemeClr val="lt1"/>
+          </a:fontRef>
+        </p:style>
+        <p:txBody>
+          <a:bodyPr rtlCol="0" anchor="ctr"/>
+          <a:lstStyle/>
+          <a:p>
+            <a:r>
+              <a:rPr lang="ko-KR" altLang="en-US" sz="1200" dirty="0"/>
+              <a:t>다</a:t>
+            </a:r>
+            <a:r>
+              <a:rPr lang="en-US" altLang="ko-KR" sz="1200" dirty="0"/>
+              <a:t>. Auto </a:t>
+            </a:r>
+            <a:r>
+              <a:rPr lang="en-US" altLang="ko-KR" sz="1200" dirty="0" err="1"/>
+              <a:t>scailing</a:t>
+            </a:r>
+            <a:r>
+              <a:rPr lang="en-US" altLang="ko-KR" sz="1200" dirty="0"/>
+              <a:t> </a:t>
+            </a:r>
+            <a:r>
+              <a:rPr lang="ko-KR" altLang="en-US" sz="1200" dirty="0"/>
+              <a:t>확인</a:t>
+            </a:r>
+            <a:r>
+              <a:rPr lang="en-US" altLang="ko-KR" sz="1200" dirty="0"/>
+              <a:t> </a:t>
+            </a:r>
+            <a:endParaRPr lang="ko-KR" altLang="en-US" sz="1200" dirty="0"/>
+          </a:p>
+        </p:txBody>
+      </p:sp>
       <p:pic>
         <p:nvPicPr>
-          <p:cNvPr id="14" name="그림 13">
+          <p:cNvPr id="2" name="그림 1">
             <a:extLst>
               <a:ext uri="{FF2B5EF4-FFF2-40B4-BE49-F238E27FC236}">
-                <a16:creationId xmlns:a16="http://schemas.microsoft.com/office/drawing/2014/main" id="{B3A2B910-141E-4AAC-86B2-4AEB30689771}"/>
+                <a16:creationId xmlns:a16="http://schemas.microsoft.com/office/drawing/2014/main" id="{B4B089E0-C491-4E8E-BC18-DF0DC2AA014D}"/>
               </a:ext>
             </a:extLst>
           </p:cNvPr>
@@ -5851,20 +5921,113 @@
         </p:blipFill>
         <p:spPr>
           <a:xfrm>
-            <a:off x="1368117" y="4087200"/>
-            <a:ext cx="1942434" cy="2682851"/>
+            <a:off x="1368117" y="3869380"/>
+            <a:ext cx="3421997" cy="2842136"/>
           </a:xfrm>
           <a:prstGeom prst="rect">
             <a:avLst/>
           </a:prstGeom>
         </p:spPr>
       </p:pic>
-      <p:sp>
-        <p:nvSpPr>
-          <p:cNvPr id="15" name="직사각형 14">
+    </p:spTree>
+    <p:extLst>
+      <p:ext uri="{BB962C8B-B14F-4D97-AF65-F5344CB8AC3E}">
+        <p14:creationId xmlns:p14="http://schemas.microsoft.com/office/powerpoint/2010/main" val="472691078"/>
+      </p:ext>
+    </p:extLst>
+  </p:cSld>
+  <p:clrMapOvr>
+    <a:masterClrMapping/>
+  </p:clrMapOvr>
+</p:sld>
+</file>
+
+<file path=ppt/slides/slide9.xml><?xml version="1.0" encoding="utf-8"?>
+<p:sld xmlns:a="http://schemas.openxmlformats.org/drawingml/2006/main" xmlns:r="http://schemas.openxmlformats.org/officeDocument/2006/relationships" xmlns:p="http://schemas.openxmlformats.org/presentationml/2006/main">
+  <p:cSld>
+    <p:spTree>
+      <p:nvGrpSpPr>
+        <p:cNvPr id="1" name=""/>
+        <p:cNvGrpSpPr/>
+        <p:nvPr/>
+      </p:nvGrpSpPr>
+      <p:grpSpPr>
+        <a:xfrm>
+          <a:off x="0" y="0"/>
+          <a:ext cx="0" cy="0"/>
+          <a:chOff x="0" y="0"/>
+          <a:chExt cx="0" cy="0"/>
+        </a:xfrm>
+      </p:grpSpPr>
+      <p:sp>
+        <p:nvSpPr>
+          <p:cNvPr id="3" name="내용 개체 틀 2"/>
+          <p:cNvSpPr>
+            <a:spLocks noGrp="1"/>
+          </p:cNvSpPr>
+          <p:nvPr>
+            <p:ph idx="1"/>
+          </p:nvPr>
+        </p:nvSpPr>
+        <p:spPr>
+          <a:xfrm>
+            <a:off x="838200" y="341745"/>
+            <a:ext cx="10515600" cy="5835218"/>
+          </a:xfrm>
+        </p:spPr>
+        <p:txBody>
+          <a:bodyPr/>
+          <a:lstStyle/>
+          <a:p>
+            <a:pPr marL="0" indent="0">
+              <a:buNone/>
+            </a:pPr>
+            <a:r>
+              <a:rPr lang="en-US" altLang="ko-KR" dirty="0"/>
+              <a:t>4. </a:t>
+            </a:r>
+            <a:r>
+              <a:rPr lang="ko-KR" altLang="en-US" dirty="0"/>
+              <a:t>클라우드 네이티브 운영</a:t>
+            </a:r>
+            <a:endParaRPr lang="en-US" altLang="ko-KR" dirty="0"/>
+          </a:p>
+          <a:p>
+            <a:pPr marL="0" indent="0">
+              <a:buNone/>
+            </a:pPr>
+            <a:r>
+              <a:rPr lang="en-US" altLang="ko-KR" dirty="0"/>
+              <a:t>   </a:t>
+            </a:r>
+            <a:r>
+              <a:rPr lang="en-US" altLang="ko-KR" sz="1400" dirty="0"/>
+              <a:t>4-4. Auto Scale Out</a:t>
+            </a:r>
+          </a:p>
+          <a:p>
+            <a:pPr marL="0" indent="0">
+              <a:buNone/>
+            </a:pPr>
+            <a:r>
+              <a:rPr lang="en-US" altLang="ko-KR" sz="1400" dirty="0"/>
+              <a:t>       </a:t>
+            </a:r>
+          </a:p>
+          <a:p>
+            <a:pPr marL="0" indent="0">
+              <a:buNone/>
+            </a:pPr>
+            <a:endParaRPr lang="en-US" altLang="ko-KR" sz="1400" dirty="0"/>
+          </a:p>
+        </p:txBody>
+      </p:sp>
+      <p:sp>
+        <p:nvSpPr>
+          <p:cNvPr id="9" name="직사각형 8">
             <a:extLst>
               <a:ext uri="{FF2B5EF4-FFF2-40B4-BE49-F238E27FC236}">
-                <a16:creationId xmlns:a16="http://schemas.microsoft.com/office/drawing/2014/main" id="{741FCF40-3C28-4961-945A-1786861B91FE}"/>
+                <a16:creationId xmlns:a16="http://schemas.microsoft.com/office/drawing/2014/main" id="{406EA64D-F310-4144-A93D-00CF003522CC}"/>
               </a:ext>
             </a:extLst>
           </p:cNvPr>
@@ -5873,7 +6036,7 @@
         </p:nvSpPr>
         <p:spPr>
           <a:xfrm>
-            <a:off x="1368117" y="3899700"/>
+            <a:off x="1368117" y="1339296"/>
             <a:ext cx="2400319" cy="166231"/>
           </a:xfrm>
           <a:prstGeom prst="rect">
@@ -5902,19 +6065,226 @@
           <a:p>
             <a:r>
               <a:rPr lang="ko-KR" altLang="en-US" sz="1200" dirty="0"/>
-              <a:t>다</a:t>
+              <a:t>가</a:t>
             </a:r>
             <a:r>
               <a:rPr lang="en-US" altLang="ko-KR" sz="1200" dirty="0"/>
-              <a:t>. Siege </a:t>
+              <a:t>. Grafana </a:t>
             </a:r>
             <a:r>
               <a:rPr lang="ko-KR" altLang="en-US" sz="1200" dirty="0"/>
-              <a:t>로 부하 발생</a:t>
+              <a:t>설치 및 확인</a:t>
+            </a:r>
+          </a:p>
+        </p:txBody>
+      </p:sp>
+      <p:sp>
+        <p:nvSpPr>
+          <p:cNvPr id="12" name="직사각형 11">
+            <a:extLst>
+              <a:ext uri="{FF2B5EF4-FFF2-40B4-BE49-F238E27FC236}">
+                <a16:creationId xmlns:a16="http://schemas.microsoft.com/office/drawing/2014/main" id="{2E06F958-17EB-4702-9933-D94FB9AB7693}"/>
+              </a:ext>
+            </a:extLst>
+          </p:cNvPr>
+          <p:cNvSpPr/>
+          <p:nvPr/>
+        </p:nvSpPr>
+        <p:spPr>
+          <a:xfrm>
+            <a:off x="6523663" y="1339296"/>
+            <a:ext cx="2400319" cy="166231"/>
+          </a:xfrm>
+          <a:prstGeom prst="rect">
+            <a:avLst/>
+          </a:prstGeom>
+        </p:spPr>
+        <p:style>
+          <a:lnRef idx="2">
+            <a:schemeClr val="accent1">
+              <a:shade val="50000"/>
+            </a:schemeClr>
+          </a:lnRef>
+          <a:fillRef idx="1">
+            <a:schemeClr val="accent1"/>
+          </a:fillRef>
+          <a:effectRef idx="0">
+            <a:schemeClr val="accent1"/>
+          </a:effectRef>
+          <a:fontRef idx="minor">
+            <a:schemeClr val="lt1"/>
+          </a:fontRef>
+        </p:style>
+        <p:txBody>
+          <a:bodyPr rtlCol="0" anchor="ctr"/>
+          <a:lstStyle/>
+          <a:p>
+            <a:r>
+              <a:rPr lang="ko-KR" altLang="en-US" sz="1200" dirty="0"/>
+              <a:t>나</a:t>
+            </a:r>
+            <a:r>
+              <a:rPr lang="en-US" altLang="ko-KR" sz="1200" dirty="0"/>
+              <a:t>. Grafana IP</a:t>
+            </a:r>
+            <a:r>
+              <a:rPr lang="ko-KR" altLang="en-US" sz="1200" dirty="0"/>
+              <a:t>확인</a:t>
             </a:r>
             <a:r>
               <a:rPr lang="en-US" altLang="ko-KR" sz="1200" dirty="0"/>
               <a:t> </a:t>
+            </a:r>
+            <a:endParaRPr lang="ko-KR" altLang="en-US" sz="1200" dirty="0"/>
+          </a:p>
+        </p:txBody>
+      </p:sp>
+      <p:pic>
+        <p:nvPicPr>
+          <p:cNvPr id="5" name="그림 4">
+            <a:extLst>
+              <a:ext uri="{FF2B5EF4-FFF2-40B4-BE49-F238E27FC236}">
+                <a16:creationId xmlns:a16="http://schemas.microsoft.com/office/drawing/2014/main" id="{DA0A7984-9D69-43A4-BA3A-A1D8DF5F0C07}"/>
+              </a:ext>
+            </a:extLst>
+          </p:cNvPr>
+          <p:cNvPicPr>
+            <a:picLocks noChangeAspect="1"/>
+          </p:cNvPicPr>
+          <p:nvPr/>
+        </p:nvPicPr>
+        <p:blipFill>
+          <a:blip r:embed="rId2"/>
+          <a:stretch>
+            <a:fillRect/>
+          </a:stretch>
+        </p:blipFill>
+        <p:spPr>
+          <a:xfrm>
+            <a:off x="1368117" y="1505527"/>
+            <a:ext cx="3438775" cy="2860055"/>
+          </a:xfrm>
+          <a:prstGeom prst="rect">
+            <a:avLst/>
+          </a:prstGeom>
+        </p:spPr>
+      </p:pic>
+      <p:pic>
+        <p:nvPicPr>
+          <p:cNvPr id="7" name="그림 6">
+            <a:extLst>
+              <a:ext uri="{FF2B5EF4-FFF2-40B4-BE49-F238E27FC236}">
+                <a16:creationId xmlns:a16="http://schemas.microsoft.com/office/drawing/2014/main" id="{3BCEB31E-D09D-4F4D-8749-E589C0E1F074}"/>
+              </a:ext>
+            </a:extLst>
+          </p:cNvPr>
+          <p:cNvPicPr>
+            <a:picLocks noChangeAspect="1"/>
+          </p:cNvPicPr>
+          <p:nvPr/>
+        </p:nvPicPr>
+        <p:blipFill>
+          <a:blip r:embed="rId3"/>
+          <a:stretch>
+            <a:fillRect/>
+          </a:stretch>
+        </p:blipFill>
+        <p:spPr>
+          <a:xfrm>
+            <a:off x="6523663" y="1505527"/>
+            <a:ext cx="5536384" cy="2863841"/>
+          </a:xfrm>
+          <a:prstGeom prst="rect">
+            <a:avLst/>
+          </a:prstGeom>
+        </p:spPr>
+      </p:pic>
+      <p:pic>
+        <p:nvPicPr>
+          <p:cNvPr id="8" name="그림 7">
+            <a:extLst>
+              <a:ext uri="{FF2B5EF4-FFF2-40B4-BE49-F238E27FC236}">
+                <a16:creationId xmlns:a16="http://schemas.microsoft.com/office/drawing/2014/main" id="{8394F381-7889-49B5-B7B5-C176AEB2D63F}"/>
+              </a:ext>
+            </a:extLst>
+          </p:cNvPr>
+          <p:cNvPicPr>
+            <a:picLocks noChangeAspect="1"/>
+          </p:cNvPicPr>
+          <p:nvPr/>
+        </p:nvPicPr>
+        <p:blipFill>
+          <a:blip r:embed="rId4"/>
+          <a:stretch>
+            <a:fillRect/>
+          </a:stretch>
+        </p:blipFill>
+        <p:spPr>
+          <a:xfrm>
+            <a:off x="1368117" y="4661391"/>
+            <a:ext cx="3714588" cy="2095941"/>
+          </a:xfrm>
+          <a:prstGeom prst="rect">
+            <a:avLst/>
+          </a:prstGeom>
+        </p:spPr>
+      </p:pic>
+      <p:sp>
+        <p:nvSpPr>
+          <p:cNvPr id="13" name="직사각형 12">
+            <a:extLst>
+              <a:ext uri="{FF2B5EF4-FFF2-40B4-BE49-F238E27FC236}">
+                <a16:creationId xmlns:a16="http://schemas.microsoft.com/office/drawing/2014/main" id="{5A50C360-3D71-4C64-9171-3B2662A0A58F}"/>
+              </a:ext>
+            </a:extLst>
+          </p:cNvPr>
+          <p:cNvSpPr/>
+          <p:nvPr/>
+        </p:nvSpPr>
+        <p:spPr>
+          <a:xfrm>
+            <a:off x="1368116" y="4495160"/>
+            <a:ext cx="2400319" cy="166231"/>
+          </a:xfrm>
+          <a:prstGeom prst="rect">
+            <a:avLst/>
+          </a:prstGeom>
+        </p:spPr>
+        <p:style>
+          <a:lnRef idx="2">
+            <a:schemeClr val="accent1">
+              <a:shade val="50000"/>
+            </a:schemeClr>
+          </a:lnRef>
+          <a:fillRef idx="1">
+            <a:schemeClr val="accent1"/>
+          </a:fillRef>
+          <a:effectRef idx="0">
+            <a:schemeClr val="accent1"/>
+          </a:effectRef>
+          <a:fontRef idx="minor">
+            <a:schemeClr val="lt1"/>
+          </a:fontRef>
+        </p:style>
+        <p:txBody>
+          <a:bodyPr rtlCol="0" anchor="ctr"/>
+          <a:lstStyle/>
+          <a:p>
+            <a:r>
+              <a:rPr lang="ko-KR" altLang="en-US" sz="1200" dirty="0"/>
+              <a:t>다</a:t>
+            </a:r>
+            <a:r>
+              <a:rPr lang="en-US" altLang="ko-KR" sz="1200" dirty="0"/>
+              <a:t>. </a:t>
+            </a:r>
+            <a:r>
+              <a:rPr lang="en-US" altLang="ko-KR" sz="1200" dirty="0" err="1"/>
+              <a:t>Loggregation</a:t>
+            </a:r>
+            <a:r>
+              <a:rPr lang="en-US" altLang="ko-KR" sz="1200" dirty="0"/>
+              <a:t>/Monitoring </a:t>
             </a:r>
             <a:endParaRPr lang="ko-KR" altLang="en-US" sz="1200" dirty="0"/>
           </a:p>
@@ -5923,7 +6293,7 @@
     </p:spTree>
     <p:extLst>
       <p:ext uri="{BB962C8B-B14F-4D97-AF65-F5344CB8AC3E}">
-        <p14:creationId xmlns:p14="http://schemas.microsoft.com/office/powerpoint/2010/main" val="472691078"/>
+        <p14:creationId xmlns:p14="http://schemas.microsoft.com/office/powerpoint/2010/main" val="3977058657"/>
       </p:ext>
     </p:extLst>
   </p:cSld>

--- a/클라우드 네이티브 (Cloud Native)_정석환.pptx
+++ b/클라우드 네이티브 (Cloud Native)_정석환.pptx
@@ -6002,8 +6002,13 @@
             </a:r>
             <a:r>
               <a:rPr lang="en-US" altLang="ko-KR" sz="1400" dirty="0"/>
-              <a:t>4-4. Auto Scale Out</a:t>
-            </a:r>
+              <a:t>4-4. </a:t>
+            </a:r>
+            <a:r>
+              <a:rPr lang="ko-KR" altLang="en-US" sz="1400" dirty="0"/>
+              <a:t>통합 모니터링</a:t>
+            </a:r>
+            <a:endParaRPr lang="en-US" altLang="ko-KR" sz="1400" dirty="0"/>
           </a:p>
           <a:p>
             <a:pPr marL="0" indent="0">
@@ -6162,7 +6167,7 @@
         <p:spPr>
           <a:xfrm>
             <a:off x="1368117" y="1505527"/>
-            <a:ext cx="3438775" cy="2860055"/>
+            <a:ext cx="3371663" cy="2804237"/>
           </a:xfrm>
           <a:prstGeom prst="rect">
             <a:avLst/>

--- a/클라우드 네이티브 (Cloud Native)_정석환.pptx
+++ b/클라우드 네이티브 (Cloud Native)_정석환.pptx
@@ -6166,8 +6166,8 @@
         </p:blipFill>
         <p:spPr>
           <a:xfrm>
-            <a:off x="1368117" y="1505527"/>
-            <a:ext cx="3371663" cy="2804237"/>
+            <a:off x="1368118" y="1505528"/>
+            <a:ext cx="3233070" cy="2688968"/>
           </a:xfrm>
           <a:prstGeom prst="rect">
             <a:avLst/>
@@ -6204,12 +6204,73 @@
           </a:prstGeom>
         </p:spPr>
       </p:pic>
+      <p:sp>
+        <p:nvSpPr>
+          <p:cNvPr id="13" name="직사각형 12">
+            <a:extLst>
+              <a:ext uri="{FF2B5EF4-FFF2-40B4-BE49-F238E27FC236}">
+                <a16:creationId xmlns:a16="http://schemas.microsoft.com/office/drawing/2014/main" id="{5A50C360-3D71-4C64-9171-3B2662A0A58F}"/>
+              </a:ext>
+            </a:extLst>
+          </p:cNvPr>
+          <p:cNvSpPr/>
+          <p:nvPr/>
+        </p:nvSpPr>
+        <p:spPr>
+          <a:xfrm>
+            <a:off x="1368116" y="4412044"/>
+            <a:ext cx="2400319" cy="166231"/>
+          </a:xfrm>
+          <a:prstGeom prst="rect">
+            <a:avLst/>
+          </a:prstGeom>
+        </p:spPr>
+        <p:style>
+          <a:lnRef idx="2">
+            <a:schemeClr val="accent1">
+              <a:shade val="50000"/>
+            </a:schemeClr>
+          </a:lnRef>
+          <a:fillRef idx="1">
+            <a:schemeClr val="accent1"/>
+          </a:fillRef>
+          <a:effectRef idx="0">
+            <a:schemeClr val="accent1"/>
+          </a:effectRef>
+          <a:fontRef idx="minor">
+            <a:schemeClr val="lt1"/>
+          </a:fontRef>
+        </p:style>
+        <p:txBody>
+          <a:bodyPr rtlCol="0" anchor="ctr"/>
+          <a:lstStyle/>
+          <a:p>
+            <a:r>
+              <a:rPr lang="ko-KR" altLang="en-US" sz="1200" dirty="0"/>
+              <a:t>다</a:t>
+            </a:r>
+            <a:r>
+              <a:rPr lang="en-US" altLang="ko-KR" sz="1200" dirty="0"/>
+              <a:t>. </a:t>
+            </a:r>
+            <a:r>
+              <a:rPr lang="en-US" altLang="ko-KR" sz="1200" dirty="0" err="1"/>
+              <a:t>Loggregation</a:t>
+            </a:r>
+            <a:r>
+              <a:rPr lang="en-US" altLang="ko-KR" sz="1200" dirty="0"/>
+              <a:t>/Monitoring </a:t>
+            </a:r>
+            <a:endParaRPr lang="ko-KR" altLang="en-US" sz="1200" dirty="0"/>
+          </a:p>
+        </p:txBody>
+      </p:sp>
       <p:pic>
         <p:nvPicPr>
-          <p:cNvPr id="8" name="그림 7">
+          <p:cNvPr id="2" name="그림 1">
             <a:extLst>
               <a:ext uri="{FF2B5EF4-FFF2-40B4-BE49-F238E27FC236}">
-                <a16:creationId xmlns:a16="http://schemas.microsoft.com/office/drawing/2014/main" id="{8394F381-7889-49B5-B7B5-C176AEB2D63F}"/>
+                <a16:creationId xmlns:a16="http://schemas.microsoft.com/office/drawing/2014/main" id="{F5FDF178-9C17-4914-82B2-379E430542F3}"/>
               </a:ext>
             </a:extLst>
           </p:cNvPr>
@@ -6226,75 +6287,14 @@
         </p:blipFill>
         <p:spPr>
           <a:xfrm>
-            <a:off x="1368117" y="4661391"/>
-            <a:ext cx="3714588" cy="2095941"/>
+            <a:off x="1368116" y="4578276"/>
+            <a:ext cx="3480721" cy="2263720"/>
           </a:xfrm>
           <a:prstGeom prst="rect">
             <a:avLst/>
           </a:prstGeom>
         </p:spPr>
       </p:pic>
-      <p:sp>
-        <p:nvSpPr>
-          <p:cNvPr id="13" name="직사각형 12">
-            <a:extLst>
-              <a:ext uri="{FF2B5EF4-FFF2-40B4-BE49-F238E27FC236}">
-                <a16:creationId xmlns:a16="http://schemas.microsoft.com/office/drawing/2014/main" id="{5A50C360-3D71-4C64-9171-3B2662A0A58F}"/>
-              </a:ext>
-            </a:extLst>
-          </p:cNvPr>
-          <p:cNvSpPr/>
-          <p:nvPr/>
-        </p:nvSpPr>
-        <p:spPr>
-          <a:xfrm>
-            <a:off x="1368116" y="4495160"/>
-            <a:ext cx="2400319" cy="166231"/>
-          </a:xfrm>
-          <a:prstGeom prst="rect">
-            <a:avLst/>
-          </a:prstGeom>
-        </p:spPr>
-        <p:style>
-          <a:lnRef idx="2">
-            <a:schemeClr val="accent1">
-              <a:shade val="50000"/>
-            </a:schemeClr>
-          </a:lnRef>
-          <a:fillRef idx="1">
-            <a:schemeClr val="accent1"/>
-          </a:fillRef>
-          <a:effectRef idx="0">
-            <a:schemeClr val="accent1"/>
-          </a:effectRef>
-          <a:fontRef idx="minor">
-            <a:schemeClr val="lt1"/>
-          </a:fontRef>
-        </p:style>
-        <p:txBody>
-          <a:bodyPr rtlCol="0" anchor="ctr"/>
-          <a:lstStyle/>
-          <a:p>
-            <a:r>
-              <a:rPr lang="ko-KR" altLang="en-US" sz="1200" dirty="0"/>
-              <a:t>다</a:t>
-            </a:r>
-            <a:r>
-              <a:rPr lang="en-US" altLang="ko-KR" sz="1200" dirty="0"/>
-              <a:t>. </a:t>
-            </a:r>
-            <a:r>
-              <a:rPr lang="en-US" altLang="ko-KR" sz="1200" dirty="0" err="1"/>
-              <a:t>Loggregation</a:t>
-            </a:r>
-            <a:r>
-              <a:rPr lang="en-US" altLang="ko-KR" sz="1200" dirty="0"/>
-              <a:t>/Monitoring </a:t>
-            </a:r>
-            <a:endParaRPr lang="ko-KR" altLang="en-US" sz="1200" dirty="0"/>
-          </a:p>
-        </p:txBody>
-      </p:sp>
     </p:spTree>
     <p:extLst>
       <p:ext uri="{BB962C8B-B14F-4D97-AF65-F5344CB8AC3E}">
